--- a/Clase3/clase3.pptx
+++ b/Clase3/clase3.pptx
@@ -13660,51 +13660,6 @@
           <a:prstGeom prst="rect">
             <a:avLst/>
           </a:prstGeom>
-        </p:spPr>
-      </p:pic>
-      <p:pic>
-        <p:nvPicPr>
-          <p:cNvPr id="5" name="Picture 2" descr="https://upload.wikimedia.org/wikipedia/commons/thumb/1/13/ITCR_LOGO.svg/1063px-ITCR_LOGO.svg.png"/>
-          <p:cNvPicPr>
-            <a:picLocks noChangeAspect="1" noChangeArrowheads="1"/>
-          </p:cNvPicPr>
-          <p:nvPr/>
-        </p:nvPicPr>
-        <p:blipFill>
-          <a:blip r:embed="rId3" cstate="print">
-            <a:extLst>
-              <a:ext uri="{28A0092B-C50C-407E-A947-70E740481C1C}">
-                <a14:useLocalDpi xmlns:a14="http://schemas.microsoft.com/office/drawing/2010/main" val="0"/>
-              </a:ext>
-            </a:extLst>
-          </a:blip>
-          <a:srcRect/>
-          <a:stretch>
-            <a:fillRect/>
-          </a:stretch>
-        </p:blipFill>
-        <p:spPr bwMode="auto">
-          <a:xfrm>
-            <a:off x="7664074" y="1224271"/>
-            <a:ext cx="758072" cy="730259"/>
-          </a:xfrm>
-          <a:prstGeom prst="roundRect">
-            <a:avLst>
-              <a:gd name="adj" fmla="val 8594"/>
-            </a:avLst>
-          </a:prstGeom>
-          <a:solidFill>
-            <a:srgbClr val="FFFFFF">
-              <a:shade val="85000"/>
-            </a:srgbClr>
-          </a:solidFill>
-          <a:ln>
-            <a:noFill/>
-          </a:ln>
-          <a:effectLst>
-            <a:reflection blurRad="12700" stA="38000" endPos="28000" dist="5000" dir="5400000" sy="-100000" algn="bl" rotWithShape="0"/>
-          </a:effectLst>
-          <a:extLst/>
         </p:spPr>
       </p:pic>
     </p:spTree>
